--- a/Нейросеть для классификации облака точек.pptx
+++ b/Нейросеть для классификации облака точек.pptx
@@ -5,10 +5,10 @@
     <p:sldMasterId id="2147483648" r:id="rId1"/>
   </p:sldMasterIdLst>
   <p:notesMasterIdLst>
-    <p:notesMasterId r:id="rId8"/>
+    <p:notesMasterId r:id="rId9"/>
   </p:notesMasterIdLst>
   <p:handoutMasterIdLst>
-    <p:handoutMasterId r:id="rId9"/>
+    <p:handoutMasterId r:id="rId10"/>
   </p:handoutMasterIdLst>
   <p:sldIdLst>
     <p:sldId id="256" r:id="rId3"/>
@@ -16,6 +16,7 @@
     <p:sldId id="258" r:id="rId5"/>
     <p:sldId id="259" r:id="rId6"/>
     <p:sldId id="260" r:id="rId7"/>
+    <p:sldId id="261" r:id="rId8"/>
   </p:sldIdLst>
   <p:sldSz cx="12192000" cy="6858000"/>
   <p:notesSz cx="7103745" cy="10234295"/>
@@ -117,7 +118,7 @@
   <p:extLst>
     <p:ext uri="{EFAFB233-063F-42B5-8137-9DF3F51BA10A}">
       <p15:sldGuideLst xmlns:p15="http://schemas.microsoft.com/office/powerpoint/2012/main">
-        <p15:guide id="1" orient="horz" pos="2159" userDrawn="1">
+        <p15:guide id="1" orient="horz" pos="2160" userDrawn="1">
           <p15:clr>
             <a:srgbClr val="A4A3A4"/>
           </p15:clr>
@@ -4719,6 +4720,695 @@
               <a:t>Вместо расчета света, рассчитывать поподает ли массив точек под форму определенного объекта, трассируя координаты точек</a:t>
             </a:r>
             <a:endParaRPr lang="ru-RU" altLang="en-US"/>
+          </a:p>
+        </p:txBody>
+      </p:sp>
+    </p:spTree>
+  </p:cSld>
+  <p:clrMapOvr>
+    <a:masterClrMapping/>
+  </p:clrMapOvr>
+</p:sld>
+</file>
+
+<file path=ppt/slides/slide6.xml><?xml version="1.0" encoding="utf-8"?>
+<p:sld xmlns:a="http://schemas.openxmlformats.org/drawingml/2006/main" xmlns:r="http://schemas.openxmlformats.org/officeDocument/2006/relationships" xmlns:p="http://schemas.openxmlformats.org/presentationml/2006/main">
+  <p:cSld>
+    <p:spTree>
+      <p:nvGrpSpPr>
+        <p:cNvPr id="1" name=""/>
+        <p:cNvGrpSpPr/>
+        <p:nvPr/>
+      </p:nvGrpSpPr>
+      <p:grpSpPr/>
+      <p:sp>
+        <p:nvSpPr>
+          <p:cNvPr id="2" name="Заголовок 1"/>
+          <p:cNvSpPr>
+            <a:spLocks noGrp="1"/>
+          </p:cNvSpPr>
+          <p:nvPr>
+            <p:ph type="title"/>
+          </p:nvPr>
+        </p:nvSpPr>
+        <p:spPr/>
+        <p:txBody>
+          <a:bodyPr/>
+          <a:p>
+            <a:pPr algn="ctr"/>
+            <a:r>
+              <a:rPr lang="ru-RU" altLang="en-US"/>
+              <a:t>Идея подхода</a:t>
+            </a:r>
+            <a:endParaRPr lang="ru-RU" altLang="en-US"/>
+          </a:p>
+        </p:txBody>
+      </p:sp>
+      <p:sp>
+        <p:nvSpPr>
+          <p:cNvPr id="6" name="Текстовое поле 5"/>
+          <p:cNvSpPr txBox="1"/>
+          <p:nvPr/>
+        </p:nvSpPr>
+        <p:spPr>
+          <a:xfrm>
+            <a:off x="443865" y="2843530"/>
+            <a:ext cx="1724660" cy="368300"/>
+          </a:xfrm>
+          <a:prstGeom prst="rect">
+            <a:avLst/>
+          </a:prstGeom>
+          <a:noFill/>
+        </p:spPr>
+        <p:txBody>
+          <a:bodyPr wrap="square" rtlCol="0">
+            <a:spAutoFit/>
+          </a:bodyPr>
+          <a:p>
+            <a:r>
+              <a:rPr lang="ru-RU" altLang="en-US" b="1">
+                <a:latin typeface="Times New Roman" panose="02020603050405020304" charset="0"/>
+                <a:cs typeface="Times New Roman" panose="02020603050405020304" charset="0"/>
+              </a:rPr>
+              <a:t>Облако точек</a:t>
+            </a:r>
+            <a:endParaRPr lang="ru-RU" altLang="en-US" b="1">
+              <a:latin typeface="Times New Roman" panose="02020603050405020304" charset="0"/>
+              <a:cs typeface="Times New Roman" panose="02020603050405020304" charset="0"/>
+            </a:endParaRPr>
+          </a:p>
+        </p:txBody>
+      </p:sp>
+      <p:sp>
+        <p:nvSpPr>
+          <p:cNvPr id="7" name="Текстовое поле 6"/>
+          <p:cNvSpPr txBox="1"/>
+          <p:nvPr/>
+        </p:nvSpPr>
+        <p:spPr>
+          <a:xfrm>
+            <a:off x="2952750" y="2843530"/>
+            <a:ext cx="2183765" cy="645160"/>
+          </a:xfrm>
+          <a:prstGeom prst="rect">
+            <a:avLst/>
+          </a:prstGeom>
+          <a:noFill/>
+        </p:spPr>
+        <p:txBody>
+          <a:bodyPr wrap="square" rtlCol="0">
+            <a:spAutoFit/>
+          </a:bodyPr>
+          <a:p>
+            <a:r>
+              <a:rPr lang="ru-RU" altLang="en-US" b="1">
+                <a:latin typeface="Times New Roman" panose="02020603050405020304" charset="0"/>
+                <a:cs typeface="Times New Roman" panose="02020603050405020304" charset="0"/>
+              </a:rPr>
+              <a:t>Разделение облака точек плоскостями</a:t>
+            </a:r>
+            <a:endParaRPr lang="ru-RU" altLang="en-US" b="1">
+              <a:latin typeface="Times New Roman" panose="02020603050405020304" charset="0"/>
+              <a:cs typeface="Times New Roman" panose="02020603050405020304" charset="0"/>
+            </a:endParaRPr>
+          </a:p>
+        </p:txBody>
+      </p:sp>
+      <p:pic>
+        <p:nvPicPr>
+          <p:cNvPr id="8" name="Изображение 7" descr="Трамвай1"/>
+          <p:cNvPicPr>
+            <a:picLocks noChangeAspect="1"/>
+          </p:cNvPicPr>
+          <p:nvPr/>
+        </p:nvPicPr>
+        <p:blipFill>
+          <a:blip r:embed="rId1"/>
+          <a:stretch>
+            <a:fillRect/>
+          </a:stretch>
+        </p:blipFill>
+        <p:spPr>
+          <a:xfrm>
+            <a:off x="443865" y="1174115"/>
+            <a:ext cx="2004060" cy="1463040"/>
+          </a:xfrm>
+          <a:prstGeom prst="rect">
+            <a:avLst/>
+          </a:prstGeom>
+        </p:spPr>
+      </p:pic>
+      <p:pic>
+        <p:nvPicPr>
+          <p:cNvPr id="9" name="Изображение 8" descr="ТрамвайПлоскости"/>
+          <p:cNvPicPr>
+            <a:picLocks noChangeAspect="1"/>
+          </p:cNvPicPr>
+          <p:nvPr/>
+        </p:nvPicPr>
+        <p:blipFill>
+          <a:blip r:embed="rId2"/>
+          <a:stretch>
+            <a:fillRect/>
+          </a:stretch>
+        </p:blipFill>
+        <p:spPr>
+          <a:xfrm>
+            <a:off x="2953385" y="1174115"/>
+            <a:ext cx="2003425" cy="1463675"/>
+          </a:xfrm>
+          <a:prstGeom prst="rect">
+            <a:avLst/>
+          </a:prstGeom>
+        </p:spPr>
+      </p:pic>
+      <p:pic>
+        <p:nvPicPr>
+          <p:cNvPr id="11" name="Изображение 10" descr="МатрицаПопадания"/>
+          <p:cNvPicPr>
+            <a:picLocks noChangeAspect="1"/>
+          </p:cNvPicPr>
+          <p:nvPr/>
+        </p:nvPicPr>
+        <p:blipFill>
+          <a:blip r:embed="rId3"/>
+          <a:stretch>
+            <a:fillRect/>
+          </a:stretch>
+        </p:blipFill>
+        <p:spPr>
+          <a:xfrm>
+            <a:off x="5462270" y="1174750"/>
+            <a:ext cx="2004060" cy="1463040"/>
+          </a:xfrm>
+          <a:prstGeom prst="rect">
+            <a:avLst/>
+          </a:prstGeom>
+        </p:spPr>
+      </p:pic>
+      <p:sp>
+        <p:nvSpPr>
+          <p:cNvPr id="14" name="Текстовое поле 13"/>
+          <p:cNvSpPr txBox="1"/>
+          <p:nvPr/>
+        </p:nvSpPr>
+        <p:spPr>
+          <a:xfrm>
+            <a:off x="5546090" y="2843530"/>
+            <a:ext cx="2183765" cy="1476375"/>
+          </a:xfrm>
+          <a:prstGeom prst="rect">
+            <a:avLst/>
+          </a:prstGeom>
+          <a:noFill/>
+        </p:spPr>
+        <p:txBody>
+          <a:bodyPr wrap="square" rtlCol="0">
+            <a:spAutoFit/>
+          </a:bodyPr>
+          <a:p>
+            <a:r>
+              <a:rPr lang="ru-RU" altLang="en-US" b="1">
+                <a:latin typeface="Times New Roman" panose="02020603050405020304" charset="0"/>
+                <a:cs typeface="Times New Roman" panose="02020603050405020304" charset="0"/>
+              </a:rPr>
+              <a:t>Построение и обработка матрицы попадания</a:t>
+            </a:r>
+            <a:endParaRPr lang="ru-RU" altLang="en-US" b="1">
+              <a:latin typeface="Times New Roman" panose="02020603050405020304" charset="0"/>
+              <a:cs typeface="Times New Roman" panose="02020603050405020304" charset="0"/>
+            </a:endParaRPr>
+          </a:p>
+          <a:p>
+            <a:r>
+              <a:rPr lang="ru-RU" altLang="en-US" b="1">
+                <a:latin typeface="Times New Roman" panose="02020603050405020304" charset="0"/>
+                <a:cs typeface="Times New Roman" panose="02020603050405020304" charset="0"/>
+              </a:rPr>
+              <a:t>(Силуэта)</a:t>
+            </a:r>
+            <a:endParaRPr lang="ru-RU" altLang="en-US" b="1">
+              <a:latin typeface="Times New Roman" panose="02020603050405020304" charset="0"/>
+              <a:cs typeface="Times New Roman" panose="02020603050405020304" charset="0"/>
+            </a:endParaRPr>
+          </a:p>
+        </p:txBody>
+      </p:sp>
+      <p:sp>
+        <p:nvSpPr>
+          <p:cNvPr id="18" name="Текстовое поле 17"/>
+          <p:cNvSpPr txBox="1"/>
+          <p:nvPr/>
+        </p:nvSpPr>
+        <p:spPr>
+          <a:xfrm>
+            <a:off x="4808855" y="1486535"/>
+            <a:ext cx="984885" cy="840105"/>
+          </a:xfrm>
+          <a:prstGeom prst="rect">
+            <a:avLst/>
+          </a:prstGeom>
+          <a:noFill/>
+        </p:spPr>
+        <p:txBody>
+          <a:bodyPr wrap="none" rtlCol="0" anchor="t">
+            <a:noAutofit/>
+          </a:bodyPr>
+          <a:p>
+            <a:pPr algn="ctr"/>
+            <a:r>
+              <a:rPr lang="ru-RU" altLang="en-US" sz="6000" b="1">
+                <a:solidFill>
+                  <a:srgbClr val="FFFF00"/>
+                </a:solidFill>
+                <a:latin typeface="Times New Roman" panose="02020603050405020304" charset="0"/>
+                <a:cs typeface="Times New Roman" panose="02020603050405020304" charset="0"/>
+                <a:sym typeface="+mn-ea"/>
+              </a:rPr>
+              <a:t>→</a:t>
+            </a:r>
+            <a:endParaRPr lang="ru-RU" altLang="en-US" sz="6000" b="1">
+              <a:solidFill>
+                <a:srgbClr val="FFFF00"/>
+              </a:solidFill>
+              <a:latin typeface="Times New Roman" panose="02020603050405020304" charset="0"/>
+              <a:cs typeface="Times New Roman" panose="02020603050405020304" charset="0"/>
+            </a:endParaRPr>
+          </a:p>
+        </p:txBody>
+      </p:sp>
+      <p:sp>
+        <p:nvSpPr>
+          <p:cNvPr id="19" name="Текстовое поле 18"/>
+          <p:cNvSpPr txBox="1"/>
+          <p:nvPr/>
+        </p:nvSpPr>
+        <p:spPr>
+          <a:xfrm>
+            <a:off x="7154545" y="1486535"/>
+            <a:ext cx="984885" cy="840105"/>
+          </a:xfrm>
+          <a:prstGeom prst="rect">
+            <a:avLst/>
+          </a:prstGeom>
+          <a:noFill/>
+        </p:spPr>
+        <p:txBody>
+          <a:bodyPr wrap="none" rtlCol="0" anchor="t">
+            <a:noAutofit/>
+          </a:bodyPr>
+          <a:p>
+            <a:pPr algn="ctr"/>
+            <a:r>
+              <a:rPr lang="ru-RU" altLang="en-US" sz="6000" b="1">
+                <a:solidFill>
+                  <a:srgbClr val="FFFF00"/>
+                </a:solidFill>
+                <a:latin typeface="Times New Roman" panose="02020603050405020304" charset="0"/>
+                <a:cs typeface="Times New Roman" panose="02020603050405020304" charset="0"/>
+                <a:sym typeface="+mn-ea"/>
+              </a:rPr>
+              <a:t>→</a:t>
+            </a:r>
+            <a:endParaRPr lang="ru-RU" altLang="en-US" sz="6000" b="1">
+              <a:solidFill>
+                <a:srgbClr val="FFFF00"/>
+              </a:solidFill>
+              <a:latin typeface="Times New Roman" panose="02020603050405020304" charset="0"/>
+              <a:cs typeface="Times New Roman" panose="02020603050405020304" charset="0"/>
+            </a:endParaRPr>
+          </a:p>
+        </p:txBody>
+      </p:sp>
+      <p:sp>
+        <p:nvSpPr>
+          <p:cNvPr id="20" name="Текстовое поле 19"/>
+          <p:cNvSpPr txBox="1"/>
+          <p:nvPr/>
+        </p:nvSpPr>
+        <p:spPr>
+          <a:xfrm>
+            <a:off x="8317230" y="1703705"/>
+            <a:ext cx="1838960" cy="368300"/>
+          </a:xfrm>
+          <a:prstGeom prst="rect">
+            <a:avLst/>
+          </a:prstGeom>
+          <a:noFill/>
+          <a:ln w="12700">
+            <a:solidFill>
+              <a:schemeClr val="tx1"/>
+            </a:solidFill>
+          </a:ln>
+        </p:spPr>
+        <p:txBody>
+          <a:bodyPr wrap="square" rtlCol="0">
+            <a:spAutoFit/>
+          </a:bodyPr>
+          <a:p>
+            <a:pPr algn="ctr"/>
+            <a:r>
+              <a:rPr lang="ru-RU" altLang="en-US">
+                <a:ln>
+                  <a:solidFill>
+                    <a:schemeClr val="tx1"/>
+                  </a:solidFill>
+                </a:ln>
+              </a:rPr>
+              <a:t>0100111</a:t>
+            </a:r>
+            <a:endParaRPr lang="ru-RU" altLang="en-US">
+              <a:ln>
+                <a:solidFill>
+                  <a:schemeClr val="tx1"/>
+                </a:solidFill>
+              </a:ln>
+            </a:endParaRPr>
+          </a:p>
+        </p:txBody>
+      </p:sp>
+      <p:sp>
+        <p:nvSpPr>
+          <p:cNvPr id="21" name="Текстовое поле 20"/>
+          <p:cNvSpPr txBox="1"/>
+          <p:nvPr/>
+        </p:nvSpPr>
+        <p:spPr>
+          <a:xfrm>
+            <a:off x="8139430" y="2843530"/>
+            <a:ext cx="2183765" cy="1198880"/>
+          </a:xfrm>
+          <a:prstGeom prst="rect">
+            <a:avLst/>
+          </a:prstGeom>
+          <a:noFill/>
+        </p:spPr>
+        <p:txBody>
+          <a:bodyPr wrap="square" rtlCol="0">
+            <a:spAutoFit/>
+          </a:bodyPr>
+          <a:p>
+            <a:r>
+              <a:rPr lang="ru-RU" altLang="en-US" b="1">
+                <a:latin typeface="Times New Roman" panose="02020603050405020304" charset="0"/>
+                <a:cs typeface="Times New Roman" panose="02020603050405020304" charset="0"/>
+              </a:rPr>
+              <a:t>Линеризация матрицы</a:t>
+            </a:r>
+            <a:endParaRPr lang="ru-RU" altLang="en-US" b="1">
+              <a:latin typeface="Times New Roman" panose="02020603050405020304" charset="0"/>
+              <a:cs typeface="Times New Roman" panose="02020603050405020304" charset="0"/>
+            </a:endParaRPr>
+          </a:p>
+          <a:p>
+            <a:r>
+              <a:rPr lang="ru-RU" altLang="en-US" b="1">
+                <a:latin typeface="Times New Roman" panose="02020603050405020304" charset="0"/>
+                <a:cs typeface="Times New Roman" panose="02020603050405020304" charset="0"/>
+              </a:rPr>
+              <a:t>Передача данных в нейросеть</a:t>
+            </a:r>
+            <a:endParaRPr lang="ru-RU" altLang="en-US" b="1">
+              <a:latin typeface="Times New Roman" panose="02020603050405020304" charset="0"/>
+              <a:cs typeface="Times New Roman" panose="02020603050405020304" charset="0"/>
+            </a:endParaRPr>
+          </a:p>
+        </p:txBody>
+      </p:sp>
+      <p:sp>
+        <p:nvSpPr>
+          <p:cNvPr id="22" name="Текстовое поле 21"/>
+          <p:cNvSpPr txBox="1"/>
+          <p:nvPr/>
+        </p:nvSpPr>
+        <p:spPr>
+          <a:xfrm rot="5400000">
+            <a:off x="8585835" y="3936365"/>
+            <a:ext cx="984885" cy="840105"/>
+          </a:xfrm>
+          <a:prstGeom prst="rect">
+            <a:avLst/>
+          </a:prstGeom>
+          <a:noFill/>
+        </p:spPr>
+        <p:txBody>
+          <a:bodyPr wrap="none" rtlCol="0" anchor="t">
+            <a:noAutofit/>
+          </a:bodyPr>
+          <a:p>
+            <a:pPr algn="ctr"/>
+            <a:r>
+              <a:rPr lang="ru-RU" altLang="en-US" sz="6000" b="1">
+                <a:solidFill>
+                  <a:srgbClr val="FFFF00"/>
+                </a:solidFill>
+                <a:latin typeface="Times New Roman" panose="02020603050405020304" charset="0"/>
+                <a:cs typeface="Times New Roman" panose="02020603050405020304" charset="0"/>
+                <a:sym typeface="+mn-ea"/>
+              </a:rPr>
+              <a:t>→</a:t>
+            </a:r>
+            <a:endParaRPr lang="ru-RU" altLang="en-US" sz="6000" b="1">
+              <a:solidFill>
+                <a:srgbClr val="FFFF00"/>
+              </a:solidFill>
+              <a:latin typeface="Times New Roman" panose="02020603050405020304" charset="0"/>
+              <a:cs typeface="Times New Roman" panose="02020603050405020304" charset="0"/>
+            </a:endParaRPr>
+          </a:p>
+        </p:txBody>
+      </p:sp>
+      <p:sp>
+        <p:nvSpPr>
+          <p:cNvPr id="24" name="Текстовое поле 23"/>
+          <p:cNvSpPr txBox="1"/>
+          <p:nvPr/>
+        </p:nvSpPr>
+        <p:spPr>
+          <a:xfrm>
+            <a:off x="8139430" y="4925695"/>
+            <a:ext cx="2183765" cy="1198880"/>
+          </a:xfrm>
+          <a:prstGeom prst="rect">
+            <a:avLst/>
+          </a:prstGeom>
+          <a:noFill/>
+        </p:spPr>
+        <p:txBody>
+          <a:bodyPr wrap="square" rtlCol="0">
+            <a:spAutoFit/>
+          </a:bodyPr>
+          <a:p>
+            <a:r>
+              <a:rPr lang="ru-RU" altLang="en-US" b="1">
+                <a:latin typeface="Times New Roman" panose="02020603050405020304" charset="0"/>
+                <a:cs typeface="Times New Roman" panose="02020603050405020304" charset="0"/>
+              </a:rPr>
+              <a:t>Определенние нейросетью принадлежности силуэта к классу</a:t>
+            </a:r>
+            <a:endParaRPr lang="ru-RU" altLang="en-US" b="1">
+              <a:latin typeface="Times New Roman" panose="02020603050405020304" charset="0"/>
+              <a:cs typeface="Times New Roman" panose="02020603050405020304" charset="0"/>
+            </a:endParaRPr>
+          </a:p>
+        </p:txBody>
+      </p:sp>
+      <p:sp>
+        <p:nvSpPr>
+          <p:cNvPr id="26" name="Текстовое поле 25"/>
+          <p:cNvSpPr txBox="1"/>
+          <p:nvPr/>
+        </p:nvSpPr>
+        <p:spPr>
+          <a:xfrm rot="10800000">
+            <a:off x="5390515" y="5052695"/>
+            <a:ext cx="2651760" cy="840105"/>
+          </a:xfrm>
+          <a:prstGeom prst="rect">
+            <a:avLst/>
+          </a:prstGeom>
+          <a:noFill/>
+        </p:spPr>
+        <p:txBody>
+          <a:bodyPr wrap="none" rtlCol="0" anchor="t">
+            <a:noAutofit/>
+          </a:bodyPr>
+          <a:p>
+            <a:pPr algn="ctr"/>
+            <a:r>
+              <a:rPr lang="ru-RU" altLang="en-US" sz="6000" b="1">
+                <a:solidFill>
+                  <a:srgbClr val="FFFF00"/>
+                </a:solidFill>
+                <a:latin typeface="Times New Roman" panose="02020603050405020304" charset="0"/>
+                <a:cs typeface="Times New Roman" panose="02020603050405020304" charset="0"/>
+                <a:sym typeface="+mn-ea"/>
+              </a:rPr>
+              <a:t>→</a:t>
+            </a:r>
+            <a:endParaRPr lang="ru-RU" altLang="en-US" sz="6000" b="1">
+              <a:solidFill>
+                <a:srgbClr val="FFFF00"/>
+              </a:solidFill>
+              <a:latin typeface="Times New Roman" panose="02020603050405020304" charset="0"/>
+              <a:cs typeface="Times New Roman" panose="02020603050405020304" charset="0"/>
+            </a:endParaRPr>
+          </a:p>
+        </p:txBody>
+      </p:sp>
+      <p:sp>
+        <p:nvSpPr>
+          <p:cNvPr id="27" name="Текстовое поле 26"/>
+          <p:cNvSpPr txBox="1"/>
+          <p:nvPr/>
+        </p:nvSpPr>
+        <p:spPr>
+          <a:xfrm>
+            <a:off x="2095500" y="1569720"/>
+            <a:ext cx="984885" cy="840105"/>
+          </a:xfrm>
+          <a:prstGeom prst="rect">
+            <a:avLst/>
+          </a:prstGeom>
+          <a:noFill/>
+        </p:spPr>
+        <p:txBody>
+          <a:bodyPr wrap="none" rtlCol="0" anchor="t">
+            <a:noAutofit/>
+          </a:bodyPr>
+          <a:p>
+            <a:pPr algn="ctr"/>
+            <a:r>
+              <a:rPr lang="ru-RU" altLang="en-US" sz="6000" b="1">
+                <a:solidFill>
+                  <a:srgbClr val="FFFF00"/>
+                </a:solidFill>
+                <a:latin typeface="Times New Roman" panose="02020603050405020304" charset="0"/>
+                <a:cs typeface="Times New Roman" panose="02020603050405020304" charset="0"/>
+                <a:sym typeface="+mn-ea"/>
+              </a:rPr>
+              <a:t>→</a:t>
+            </a:r>
+            <a:endParaRPr lang="ru-RU" altLang="en-US" sz="6000" b="1">
+              <a:solidFill>
+                <a:srgbClr val="FFFF00"/>
+              </a:solidFill>
+              <a:latin typeface="Times New Roman" panose="02020603050405020304" charset="0"/>
+              <a:cs typeface="Times New Roman" panose="02020603050405020304" charset="0"/>
+            </a:endParaRPr>
+          </a:p>
+        </p:txBody>
+      </p:sp>
+      <p:sp>
+        <p:nvSpPr>
+          <p:cNvPr id="28" name="Текстовое поле 27"/>
+          <p:cNvSpPr txBox="1"/>
+          <p:nvPr/>
+        </p:nvSpPr>
+        <p:spPr>
+          <a:xfrm>
+            <a:off x="3912235" y="4590415"/>
+            <a:ext cx="2183765" cy="1476375"/>
+          </a:xfrm>
+          <a:prstGeom prst="rect">
+            <a:avLst/>
+          </a:prstGeom>
+          <a:noFill/>
+        </p:spPr>
+        <p:txBody>
+          <a:bodyPr wrap="square" rtlCol="0">
+            <a:spAutoFit/>
+          </a:bodyPr>
+          <a:p>
+            <a:r>
+              <a:rPr lang="ru-RU" altLang="en-US" b="1">
+                <a:latin typeface="Times New Roman" panose="02020603050405020304" charset="0"/>
+                <a:cs typeface="Times New Roman" panose="02020603050405020304" charset="0"/>
+              </a:rPr>
+              <a:t>Соотношение полученного класса и выбранной плоскости</a:t>
+            </a:r>
+            <a:endParaRPr lang="ru-RU" altLang="en-US" b="1">
+              <a:latin typeface="Times New Roman" panose="02020603050405020304" charset="0"/>
+              <a:cs typeface="Times New Roman" panose="02020603050405020304" charset="0"/>
+            </a:endParaRPr>
+          </a:p>
+        </p:txBody>
+      </p:sp>
+      <p:sp>
+        <p:nvSpPr>
+          <p:cNvPr id="29" name="Текстовое поле 28"/>
+          <p:cNvSpPr txBox="1"/>
+          <p:nvPr/>
+        </p:nvSpPr>
+        <p:spPr>
+          <a:xfrm rot="11040000">
+            <a:off x="2379345" y="4845685"/>
+            <a:ext cx="984885" cy="840105"/>
+          </a:xfrm>
+          <a:prstGeom prst="rect">
+            <a:avLst/>
+          </a:prstGeom>
+          <a:noFill/>
+        </p:spPr>
+        <p:txBody>
+          <a:bodyPr wrap="none" rtlCol="0" anchor="t">
+            <a:noAutofit/>
+          </a:bodyPr>
+          <a:p>
+            <a:pPr algn="ctr"/>
+            <a:r>
+              <a:rPr lang="ru-RU" altLang="en-US" sz="6000" b="1">
+                <a:solidFill>
+                  <a:srgbClr val="FFFF00"/>
+                </a:solidFill>
+                <a:latin typeface="Times New Roman" panose="02020603050405020304" charset="0"/>
+                <a:cs typeface="Times New Roman" panose="02020603050405020304" charset="0"/>
+                <a:sym typeface="+mn-ea"/>
+              </a:rPr>
+              <a:t>→</a:t>
+            </a:r>
+            <a:endParaRPr lang="ru-RU" altLang="en-US" sz="6000" b="1">
+              <a:solidFill>
+                <a:srgbClr val="FFFF00"/>
+              </a:solidFill>
+              <a:latin typeface="Times New Roman" panose="02020603050405020304" charset="0"/>
+              <a:cs typeface="Times New Roman" panose="02020603050405020304" charset="0"/>
+            </a:endParaRPr>
+          </a:p>
+        </p:txBody>
+      </p:sp>
+      <p:sp>
+        <p:nvSpPr>
+          <p:cNvPr id="31" name="Текстовое поле 30"/>
+          <p:cNvSpPr txBox="1"/>
+          <p:nvPr/>
+        </p:nvSpPr>
+        <p:spPr>
+          <a:xfrm>
+            <a:off x="167640" y="4732655"/>
+            <a:ext cx="2183765" cy="1160145"/>
+          </a:xfrm>
+          <a:prstGeom prst="rect">
+            <a:avLst/>
+          </a:prstGeom>
+          <a:noFill/>
+        </p:spPr>
+        <p:txBody>
+          <a:bodyPr wrap="square" rtlCol="0">
+            <a:noAutofit/>
+          </a:bodyPr>
+          <a:p>
+            <a:r>
+              <a:rPr lang="ru-RU" altLang="en-US" b="1">
+                <a:latin typeface="Times New Roman" panose="02020603050405020304" charset="0"/>
+                <a:cs typeface="Times New Roman" panose="02020603050405020304" charset="0"/>
+              </a:rPr>
+              <a:t>Присвоение точкам класса</a:t>
+            </a:r>
+            <a:endParaRPr lang="ru-RU" altLang="en-US" b="1">
+              <a:latin typeface="Times New Roman" panose="02020603050405020304" charset="0"/>
+              <a:cs typeface="Times New Roman" panose="02020603050405020304" charset="0"/>
+            </a:endParaRPr>
           </a:p>
         </p:txBody>
       </p:sp>

--- a/Нейросеть для классификации облака точек.pptx
+++ b/Нейросеть для классификации облака точек.pptx
@@ -5,10 +5,10 @@
     <p:sldMasterId id="2147483648" r:id="rId1"/>
   </p:sldMasterIdLst>
   <p:notesMasterIdLst>
-    <p:notesMasterId r:id="rId9"/>
+    <p:notesMasterId r:id="rId10"/>
   </p:notesMasterIdLst>
   <p:handoutMasterIdLst>
-    <p:handoutMasterId r:id="rId10"/>
+    <p:handoutMasterId r:id="rId11"/>
   </p:handoutMasterIdLst>
   <p:sldIdLst>
     <p:sldId id="256" r:id="rId3"/>
@@ -17,6 +17,7 @@
     <p:sldId id="259" r:id="rId6"/>
     <p:sldId id="260" r:id="rId7"/>
     <p:sldId id="261" r:id="rId8"/>
+    <p:sldId id="262" r:id="rId9"/>
   </p:sldIdLst>
   <p:sldSz cx="12192000" cy="6858000"/>
   <p:notesSz cx="7103745" cy="10234295"/>
@@ -5412,6 +5413,72 @@
           </a:p>
         </p:txBody>
       </p:sp>
+    </p:spTree>
+  </p:cSld>
+  <p:clrMapOvr>
+    <a:masterClrMapping/>
+  </p:clrMapOvr>
+</p:sld>
+</file>
+
+<file path=ppt/slides/slide7.xml><?xml version="1.0" encoding="utf-8"?>
+<p:sld xmlns:a="http://schemas.openxmlformats.org/drawingml/2006/main" xmlns:r="http://schemas.openxmlformats.org/officeDocument/2006/relationships" xmlns:p="http://schemas.openxmlformats.org/presentationml/2006/main">
+  <p:cSld>
+    <p:spTree>
+      <p:nvGrpSpPr>
+        <p:cNvPr id="1" name=""/>
+        <p:cNvGrpSpPr/>
+        <p:nvPr/>
+      </p:nvGrpSpPr>
+      <p:grpSpPr/>
+      <p:sp>
+        <p:nvSpPr>
+          <p:cNvPr id="2" name="Заголовок 1"/>
+          <p:cNvSpPr>
+            <a:spLocks noGrp="1"/>
+          </p:cNvSpPr>
+          <p:nvPr>
+            <p:ph type="title"/>
+          </p:nvPr>
+        </p:nvSpPr>
+        <p:spPr/>
+        <p:txBody>
+          <a:bodyPr/>
+          <a:p>
+            <a:r>
+              <a:rPr lang="ru-RU" altLang="en-US"/>
+              <a:t>Начальный формат нейросети</a:t>
+            </a:r>
+            <a:endParaRPr lang="ru-RU" altLang="en-US"/>
+          </a:p>
+        </p:txBody>
+      </p:sp>
+      <p:pic>
+        <p:nvPicPr>
+          <p:cNvPr id="4" name="Замещающее содержимое 3" descr="НачальныйФорматНейросети"/>
+          <p:cNvPicPr>
+            <a:picLocks noChangeAspect="1"/>
+          </p:cNvPicPr>
+          <p:nvPr>
+            <p:ph idx="1"/>
+          </p:nvPr>
+        </p:nvPicPr>
+        <p:blipFill>
+          <a:blip r:embed="rId1"/>
+          <a:stretch>
+            <a:fillRect/>
+          </a:stretch>
+        </p:blipFill>
+        <p:spPr>
+          <a:xfrm>
+            <a:off x="467360" y="831850"/>
+            <a:ext cx="10568940" cy="5295900"/>
+          </a:xfrm>
+          <a:prstGeom prst="rect">
+            <a:avLst/>
+          </a:prstGeom>
+        </p:spPr>
+      </p:pic>
     </p:spTree>
   </p:cSld>
   <p:clrMapOvr>

--- a/Нейросеть для классификации облака точек.pptx
+++ b/Нейросеть для классификации облака точек.pptx
@@ -5,10 +5,10 @@
     <p:sldMasterId id="2147483648" r:id="rId1"/>
   </p:sldMasterIdLst>
   <p:notesMasterIdLst>
-    <p:notesMasterId r:id="rId10"/>
+    <p:notesMasterId r:id="rId14"/>
   </p:notesMasterIdLst>
   <p:handoutMasterIdLst>
-    <p:handoutMasterId r:id="rId11"/>
+    <p:handoutMasterId r:id="rId15"/>
   </p:handoutMasterIdLst>
   <p:sldIdLst>
     <p:sldId id="256" r:id="rId3"/>
@@ -16,8 +16,12 @@
     <p:sldId id="258" r:id="rId5"/>
     <p:sldId id="259" r:id="rId6"/>
     <p:sldId id="260" r:id="rId7"/>
-    <p:sldId id="261" r:id="rId8"/>
-    <p:sldId id="262" r:id="rId9"/>
+    <p:sldId id="268" r:id="rId8"/>
+    <p:sldId id="269" r:id="rId9"/>
+    <p:sldId id="261" r:id="rId10"/>
+    <p:sldId id="262" r:id="rId11"/>
+    <p:sldId id="264" r:id="rId12"/>
+    <p:sldId id="265" r:id="rId13"/>
   </p:sldIdLst>
   <p:sldSz cx="12192000" cy="6858000"/>
   <p:notesSz cx="7103745" cy="10234295"/>
@@ -953,7 +957,7 @@
   <p:clrMapOvr>
     <a:masterClrMapping/>
   </p:clrMapOvr>
-  <p:hf sldNum="0" hdr="0" ftr="0" dt="0"/>
+  <p:hf hdr="0" ftr="0" dt="0"/>
 </p:sldLayout>
 </file>
 
@@ -1215,7 +1219,7 @@
   <p:clrMapOvr>
     <a:masterClrMapping/>
   </p:clrMapOvr>
-  <p:hf sldNum="0" hdr="0" ftr="0" dt="0"/>
+  <p:hf hdr="0" ftr="0" dt="0"/>
 </p:sldLayout>
 </file>
 
@@ -1390,7 +1394,7 @@
   <p:clrMapOvr>
     <a:masterClrMapping/>
   </p:clrMapOvr>
-  <p:hf sldNum="0" hdr="0" ftr="0" dt="0"/>
+  <p:hf hdr="0" ftr="0" dt="0"/>
 </p:sldLayout>
 </file>
 
@@ -1555,7 +1559,7 @@
   <p:clrMapOvr>
     <a:masterClrMapping/>
   </p:clrMapOvr>
-  <p:hf sldNum="0" hdr="0" ftr="0" dt="0"/>
+  <p:hf hdr="0" ftr="0" dt="0"/>
 </p:sldLayout>
 </file>
 
@@ -1739,7 +1743,7 @@
   <p:clrMapOvr>
     <a:masterClrMapping/>
   </p:clrMapOvr>
-  <p:hf sldNum="0" hdr="0" ftr="0" dt="0"/>
+  <p:hf hdr="0" ftr="0" dt="0"/>
 </p:sldLayout>
 </file>
 
@@ -1970,7 +1974,7 @@
   <p:clrMapOvr>
     <a:masterClrMapping/>
   </p:clrMapOvr>
-  <p:hf sldNum="0" hdr="0" ftr="0" dt="0"/>
+  <p:hf hdr="0" ftr="0" dt="0"/>
 </p:sldLayout>
 </file>
 
@@ -2338,7 +2342,7 @@
   <p:clrMapOvr>
     <a:masterClrMapping/>
   </p:clrMapOvr>
-  <p:hf sldNum="0" hdr="0" ftr="0" dt="0"/>
+  <p:hf hdr="0" ftr="0" dt="0"/>
 </p:sldLayout>
 </file>
 
@@ -2447,7 +2451,7 @@
   <p:clrMapOvr>
     <a:masterClrMapping/>
   </p:clrMapOvr>
-  <p:hf sldNum="0" hdr="0" ftr="0" dt="0"/>
+  <p:hf hdr="0" ftr="0" dt="0"/>
 </p:sldLayout>
 </file>
 
@@ -2533,7 +2537,7 @@
   <p:clrMapOvr>
     <a:masterClrMapping/>
   </p:clrMapOvr>
-  <p:hf sldNum="0" hdr="0" ftr="0" dt="0"/>
+  <p:hf hdr="0" ftr="0" dt="0"/>
 </p:sldLayout>
 </file>
 
@@ -2903,7 +2907,7 @@
   <p:clrMapOvr>
     <a:masterClrMapping/>
   </p:clrMapOvr>
-  <p:hf sldNum="0" hdr="0" ftr="0" dt="0"/>
+  <p:hf hdr="0" ftr="0" dt="0"/>
 </p:sldLayout>
 </file>
 
@@ -3177,7 +3181,7 @@
   <p:clrMapOvr>
     <a:masterClrMapping/>
   </p:clrMapOvr>
-  <p:hf sldNum="0" hdr="0" ftr="0" dt="0"/>
+  <p:hf hdr="0" ftr="0" dt="0"/>
 </p:sldLayout>
 </file>
 
@@ -3543,7 +3547,7 @@
     <p:sldLayoutId id="2147483658" r:id="rId10"/>
     <p:sldLayoutId id="2147483659" r:id="rId11"/>
   </p:sldLayoutIdLst>
-  <p:hf sldNum="0" hdr="0" ftr="0" dt="0"/>
+  <p:hf hdr="0" ftr="0" dt="0"/>
   <p:txStyles>
     <p:titleStyle>
       <a:lvl1pPr algn="l" rtl="0" fontAlgn="base">
@@ -4096,6 +4100,288 @@
           </a:p>
         </p:txBody>
       </p:sp>
+      <p:sp>
+        <p:nvSpPr>
+          <p:cNvPr id="6" name="Замещающий номер слайда 5"/>
+          <p:cNvSpPr>
+            <a:spLocks noGrp="1"/>
+          </p:cNvSpPr>
+          <p:nvPr>
+            <p:ph type="sldNum" sz="quarter" idx="4"/>
+          </p:nvPr>
+        </p:nvSpPr>
+        <p:spPr/>
+        <p:txBody>
+          <a:bodyPr/>
+          <a:p>
+            <a:fld id="{49AE70B2-8BF9-45C0-BB95-33D1B9D3A854}" type="slidenum">
+              <a:rPr lang="en-US" smtClean="0"/>
+            </a:fld>
+            <a:endParaRPr lang="en-US"/>
+          </a:p>
+        </p:txBody>
+      </p:sp>
+    </p:spTree>
+  </p:cSld>
+  <p:clrMapOvr>
+    <a:masterClrMapping/>
+  </p:clrMapOvr>
+</p:sld>
+</file>
+
+<file path=ppt/slides/slide10.xml><?xml version="1.0" encoding="utf-8"?>
+<p:sld xmlns:a="http://schemas.openxmlformats.org/drawingml/2006/main" xmlns:r="http://schemas.openxmlformats.org/officeDocument/2006/relationships" xmlns:p="http://schemas.openxmlformats.org/presentationml/2006/main">
+  <p:cSld>
+    <p:spTree>
+      <p:nvGrpSpPr>
+        <p:cNvPr id="1" name=""/>
+        <p:cNvGrpSpPr/>
+        <p:nvPr/>
+      </p:nvGrpSpPr>
+      <p:grpSpPr/>
+      <p:sp>
+        <p:nvSpPr>
+          <p:cNvPr id="2" name="Заголовок 1"/>
+          <p:cNvSpPr>
+            <a:spLocks noGrp="1"/>
+          </p:cNvSpPr>
+          <p:nvPr>
+            <p:ph type="title"/>
+          </p:nvPr>
+        </p:nvSpPr>
+        <p:spPr/>
+        <p:txBody>
+          <a:bodyPr/>
+          <a:p>
+            <a:pPr algn="ctr"/>
+            <a:r>
+              <a:rPr lang="ru-RU" altLang="en-US" b="1">
+                <a:latin typeface="Times New Roman" panose="02020603050405020304" charset="0"/>
+                <a:cs typeface="Times New Roman" panose="02020603050405020304" charset="0"/>
+              </a:rPr>
+              <a:t>Испульзуемые языки программирования</a:t>
+            </a:r>
+            <a:endParaRPr lang="ru-RU" altLang="en-US" b="1">
+              <a:latin typeface="Times New Roman" panose="02020603050405020304" charset="0"/>
+              <a:cs typeface="Times New Roman" panose="02020603050405020304" charset="0"/>
+            </a:endParaRPr>
+          </a:p>
+        </p:txBody>
+      </p:sp>
+      <p:pic>
+        <p:nvPicPr>
+          <p:cNvPr id="4" name="Изображение 3" descr="csharp"/>
+          <p:cNvPicPr>
+            <a:picLocks noChangeAspect="1"/>
+          </p:cNvPicPr>
+          <p:nvPr/>
+        </p:nvPicPr>
+        <p:blipFill>
+          <a:blip r:embed="rId1"/>
+          <a:stretch>
+            <a:fillRect/>
+          </a:stretch>
+        </p:blipFill>
+        <p:spPr>
+          <a:xfrm>
+            <a:off x="929005" y="1015365"/>
+            <a:ext cx="1383665" cy="1553210"/>
+          </a:xfrm>
+          <a:prstGeom prst="rect">
+            <a:avLst/>
+          </a:prstGeom>
+        </p:spPr>
+      </p:pic>
+      <p:pic>
+        <p:nvPicPr>
+          <p:cNvPr id="5" name="Изображение 4" descr="cpp"/>
+          <p:cNvPicPr>
+            <a:picLocks noChangeAspect="1"/>
+          </p:cNvPicPr>
+          <p:nvPr/>
+        </p:nvPicPr>
+        <p:blipFill>
+          <a:blip r:embed="rId2"/>
+          <a:stretch>
+            <a:fillRect/>
+          </a:stretch>
+        </p:blipFill>
+        <p:spPr>
+          <a:xfrm>
+            <a:off x="2743835" y="1014730"/>
+            <a:ext cx="1143000" cy="1553845"/>
+          </a:xfrm>
+          <a:prstGeom prst="rect">
+            <a:avLst/>
+          </a:prstGeom>
+        </p:spPr>
+      </p:pic>
+      <p:pic>
+        <p:nvPicPr>
+          <p:cNvPr id="6" name="Изображение 5" descr="htmlcss"/>
+          <p:cNvPicPr>
+            <a:picLocks noChangeAspect="1"/>
+          </p:cNvPicPr>
+          <p:nvPr/>
+        </p:nvPicPr>
+        <p:blipFill>
+          <a:blip r:embed="rId3"/>
+          <a:stretch>
+            <a:fillRect/>
+          </a:stretch>
+        </p:blipFill>
+        <p:spPr>
+          <a:xfrm>
+            <a:off x="5931535" y="854075"/>
+            <a:ext cx="2428875" cy="1876425"/>
+          </a:xfrm>
+          <a:prstGeom prst="rect">
+            <a:avLst/>
+          </a:prstGeom>
+        </p:spPr>
+      </p:pic>
+      <p:pic>
+        <p:nvPicPr>
+          <p:cNvPr id="7" name="Изображение 6" descr="javascript"/>
+          <p:cNvPicPr>
+            <a:picLocks noChangeAspect="1"/>
+          </p:cNvPicPr>
+          <p:nvPr/>
+        </p:nvPicPr>
+        <p:blipFill>
+          <a:blip r:embed="rId4"/>
+          <a:stretch>
+            <a:fillRect/>
+          </a:stretch>
+        </p:blipFill>
+        <p:spPr>
+          <a:xfrm>
+            <a:off x="6667500" y="2568575"/>
+            <a:ext cx="1143000" cy="1143000"/>
+          </a:xfrm>
+          <a:prstGeom prst="rect">
+            <a:avLst/>
+          </a:prstGeom>
+        </p:spPr>
+      </p:pic>
+      <p:pic>
+        <p:nvPicPr>
+          <p:cNvPr id="8" name="Изображение 7" descr="opencl"/>
+          <p:cNvPicPr>
+            <a:picLocks noChangeAspect="1"/>
+          </p:cNvPicPr>
+          <p:nvPr/>
+        </p:nvPicPr>
+        <p:blipFill>
+          <a:blip r:embed="rId5"/>
+          <a:stretch>
+            <a:fillRect/>
+          </a:stretch>
+        </p:blipFill>
+        <p:spPr>
+          <a:xfrm>
+            <a:off x="1617345" y="3372485"/>
+            <a:ext cx="2143125" cy="2143125"/>
+          </a:xfrm>
+          <a:prstGeom prst="rect">
+            <a:avLst/>
+          </a:prstGeom>
+        </p:spPr>
+      </p:pic>
+      <p:sp>
+        <p:nvSpPr>
+          <p:cNvPr id="9" name="Замещающий номер слайда 8"/>
+          <p:cNvSpPr>
+            <a:spLocks noGrp="1"/>
+          </p:cNvSpPr>
+          <p:nvPr>
+            <p:ph type="sldNum" sz="quarter" idx="12"/>
+          </p:nvPr>
+        </p:nvSpPr>
+        <p:spPr/>
+        <p:txBody>
+          <a:bodyPr/>
+          <a:p>
+            <a:fld id="{49AE70B2-8BF9-45C0-BB95-33D1B9D3A854}" type="slidenum">
+              <a:rPr lang="en-US" smtClean="0"/>
+            </a:fld>
+            <a:endParaRPr lang="en-US"/>
+          </a:p>
+        </p:txBody>
+      </p:sp>
+    </p:spTree>
+  </p:cSld>
+  <p:clrMapOvr>
+    <a:masterClrMapping/>
+  </p:clrMapOvr>
+</p:sld>
+</file>
+
+<file path=ppt/slides/slide11.xml><?xml version="1.0" encoding="utf-8"?>
+<p:sld xmlns:a="http://schemas.openxmlformats.org/drawingml/2006/main" xmlns:r="http://schemas.openxmlformats.org/officeDocument/2006/relationships" xmlns:p="http://schemas.openxmlformats.org/presentationml/2006/main">
+  <p:cSld>
+    <p:spTree>
+      <p:nvGrpSpPr>
+        <p:cNvPr id="1" name=""/>
+        <p:cNvGrpSpPr/>
+        <p:nvPr/>
+      </p:nvGrpSpPr>
+      <p:grpSpPr/>
+      <p:sp>
+        <p:nvSpPr>
+          <p:cNvPr id="2" name="Заголовок 1"/>
+          <p:cNvSpPr>
+            <a:spLocks noGrp="1"/>
+          </p:cNvSpPr>
+          <p:nvPr>
+            <p:ph type="ctrTitle"/>
+          </p:nvPr>
+        </p:nvSpPr>
+        <p:spPr>
+          <a:xfrm>
+            <a:off x="528532" y="1314133"/>
+            <a:ext cx="10943167" cy="1082675"/>
+          </a:xfrm>
+        </p:spPr>
+        <p:txBody>
+          <a:bodyPr/>
+          <a:p>
+            <a:pPr algn="ctr"/>
+            <a:r>
+              <a:rPr lang="ru-RU" altLang="en-US">
+                <a:latin typeface="Times New Roman" panose="02020603050405020304" charset="0"/>
+                <a:cs typeface="Times New Roman" panose="02020603050405020304" charset="0"/>
+              </a:rPr>
+              <a:t>Спасибо за внимание!</a:t>
+            </a:r>
+            <a:endParaRPr lang="ru-RU" altLang="en-US">
+              <a:latin typeface="Times New Roman" panose="02020603050405020304" charset="0"/>
+              <a:cs typeface="Times New Roman" panose="02020603050405020304" charset="0"/>
+            </a:endParaRPr>
+          </a:p>
+        </p:txBody>
+      </p:sp>
+      <p:sp>
+        <p:nvSpPr>
+          <p:cNvPr id="6" name="Замещающий номер слайда 5"/>
+          <p:cNvSpPr>
+            <a:spLocks noGrp="1"/>
+          </p:cNvSpPr>
+          <p:nvPr>
+            <p:ph type="sldNum" sz="quarter" idx="4"/>
+          </p:nvPr>
+        </p:nvSpPr>
+        <p:spPr/>
+        <p:txBody>
+          <a:bodyPr/>
+          <a:p>
+            <a:fld id="{49AE70B2-8BF9-45C0-BB95-33D1B9D3A854}" type="slidenum">
+              <a:rPr lang="en-US" smtClean="0"/>
+            </a:fld>
+            <a:endParaRPr lang="en-US"/>
+          </a:p>
+        </p:txBody>
+      </p:sp>
     </p:spTree>
   </p:cSld>
   <p:clrMapOvr>
@@ -4174,6 +4460,27 @@
           </a:prstGeom>
         </p:spPr>
       </p:pic>
+      <p:sp>
+        <p:nvSpPr>
+          <p:cNvPr id="3" name="Замещающий номер слайда 2"/>
+          <p:cNvSpPr>
+            <a:spLocks noGrp="1"/>
+          </p:cNvSpPr>
+          <p:nvPr>
+            <p:ph type="sldNum" sz="quarter" idx="12"/>
+          </p:nvPr>
+        </p:nvSpPr>
+        <p:spPr/>
+        <p:txBody>
+          <a:bodyPr/>
+          <a:p>
+            <a:fld id="{49AE70B2-8BF9-45C0-BB95-33D1B9D3A854}" type="slidenum">
+              <a:rPr lang="en-US" smtClean="0"/>
+            </a:fld>
+            <a:endParaRPr lang="en-US"/>
+          </a:p>
+        </p:txBody>
+      </p:sp>
     </p:spTree>
   </p:cSld>
   <p:clrMapOvr>
@@ -4264,6 +4571,27 @@
           </a:prstGeom>
         </p:spPr>
       </p:pic>
+      <p:sp>
+        <p:nvSpPr>
+          <p:cNvPr id="3" name="Замещающий номер слайда 2"/>
+          <p:cNvSpPr>
+            <a:spLocks noGrp="1"/>
+          </p:cNvSpPr>
+          <p:nvPr>
+            <p:ph type="sldNum" sz="quarter" idx="12"/>
+          </p:nvPr>
+        </p:nvSpPr>
+        <p:spPr/>
+        <p:txBody>
+          <a:bodyPr/>
+          <a:p>
+            <a:fld id="{49AE70B2-8BF9-45C0-BB95-33D1B9D3A854}" type="slidenum">
+              <a:rPr lang="en-US" smtClean="0"/>
+            </a:fld>
+            <a:endParaRPr lang="en-US"/>
+          </a:p>
+        </p:txBody>
+      </p:sp>
     </p:spTree>
   </p:cSld>
   <p:clrMapOvr>
@@ -4657,6 +4985,27 @@
           </a:p>
         </p:txBody>
       </p:sp>
+      <p:sp>
+        <p:nvSpPr>
+          <p:cNvPr id="4" name="Замещающий номер слайда 3"/>
+          <p:cNvSpPr>
+            <a:spLocks noGrp="1"/>
+          </p:cNvSpPr>
+          <p:nvPr>
+            <p:ph type="sldNum" sz="quarter" idx="12"/>
+          </p:nvPr>
+        </p:nvSpPr>
+        <p:spPr/>
+        <p:txBody>
+          <a:bodyPr/>
+          <a:p>
+            <a:fld id="{49AE70B2-8BF9-45C0-BB95-33D1B9D3A854}" type="slidenum">
+              <a:rPr lang="en-US" smtClean="0"/>
+            </a:fld>
+            <a:endParaRPr lang="en-US"/>
+          </a:p>
+        </p:txBody>
+      </p:sp>
     </p:spTree>
   </p:cSld>
   <p:clrMapOvr>
@@ -4724,6 +5073,27 @@
           </a:p>
         </p:txBody>
       </p:sp>
+      <p:sp>
+        <p:nvSpPr>
+          <p:cNvPr id="4" name="Замещающий номер слайда 3"/>
+          <p:cNvSpPr>
+            <a:spLocks noGrp="1"/>
+          </p:cNvSpPr>
+          <p:nvPr>
+            <p:ph type="sldNum" sz="quarter" idx="12"/>
+          </p:nvPr>
+        </p:nvSpPr>
+        <p:spPr/>
+        <p:txBody>
+          <a:bodyPr/>
+          <a:p>
+            <a:fld id="{49AE70B2-8BF9-45C0-BB95-33D1B9D3A854}" type="slidenum">
+              <a:rPr lang="en-US" smtClean="0"/>
+            </a:fld>
+            <a:endParaRPr lang="en-US"/>
+          </a:p>
+        </p:txBody>
+      </p:sp>
     </p:spTree>
   </p:cSld>
   <p:clrMapOvr>
@@ -4758,10 +5128,276 @@
           <a:p>
             <a:pPr algn="ctr"/>
             <a:r>
+              <a:rPr lang="ru-RU" altLang="en-US" b="1">
+                <a:latin typeface="Times New Roman" panose="02020603050405020304" charset="0"/>
+                <a:cs typeface="Times New Roman" panose="02020603050405020304" charset="0"/>
+              </a:rPr>
+              <a:t>Идея подхода</a:t>
+            </a:r>
+            <a:endParaRPr lang="ru-RU" altLang="en-US" b="1">
+              <a:latin typeface="Times New Roman" panose="02020603050405020304" charset="0"/>
+              <a:cs typeface="Times New Roman" panose="02020603050405020304" charset="0"/>
+            </a:endParaRPr>
+          </a:p>
+        </p:txBody>
+      </p:sp>
+      <p:sp>
+        <p:nvSpPr>
+          <p:cNvPr id="3" name="Замещающее содержимое 2"/>
+          <p:cNvSpPr>
+            <a:spLocks noGrp="1"/>
+          </p:cNvSpPr>
+          <p:nvPr>
+            <p:ph sz="half" idx="1"/>
+          </p:nvPr>
+        </p:nvSpPr>
+        <p:spPr>
+          <a:xfrm>
+            <a:off x="609600" y="1174750"/>
+            <a:ext cx="10760710" cy="1753235"/>
+          </a:xfrm>
+        </p:spPr>
+        <p:txBody>
+          <a:bodyPr/>
+          <a:p>
+            <a:r>
               <a:rPr lang="ru-RU" altLang="en-US"/>
+              <a:t>Любой объект будет обладать определенным силуэтом и на основании его силуата можно определить его особенные черты.</a:t>
+            </a:r>
+            <a:endParaRPr lang="ru-RU" altLang="en-US"/>
+          </a:p>
+        </p:txBody>
+      </p:sp>
+      <p:sp>
+        <p:nvSpPr>
+          <p:cNvPr id="5" name="Замещающий номер слайда 4"/>
+          <p:cNvSpPr>
+            <a:spLocks noGrp="1"/>
+          </p:cNvSpPr>
+          <p:nvPr>
+            <p:ph type="sldNum" sz="quarter" idx="12"/>
+          </p:nvPr>
+        </p:nvSpPr>
+        <p:spPr/>
+        <p:txBody>
+          <a:bodyPr/>
+          <a:p>
+            <a:fld id="{49AE70B2-8BF9-45C0-BB95-33D1B9D3A854}" type="slidenum">
+              <a:rPr lang="en-US" smtClean="0"/>
+            </a:fld>
+            <a:endParaRPr lang="en-US"/>
+          </a:p>
+        </p:txBody>
+      </p:sp>
+      <p:pic>
+        <p:nvPicPr>
+          <p:cNvPr id="6" name="Изображение 5" descr="ПаркКраснодарПризрачныеКолонныНочь"/>
+          <p:cNvPicPr>
+            <a:picLocks noChangeAspect="1"/>
+          </p:cNvPicPr>
+          <p:nvPr/>
+        </p:nvPicPr>
+        <p:blipFill>
+          <a:blip r:embed="rId1"/>
+          <a:stretch>
+            <a:fillRect/>
+          </a:stretch>
+        </p:blipFill>
+        <p:spPr>
+          <a:xfrm>
+            <a:off x="1296670" y="3191510"/>
+            <a:ext cx="3961130" cy="2640965"/>
+          </a:xfrm>
+          <a:prstGeom prst="rect">
+            <a:avLst/>
+          </a:prstGeom>
+        </p:spPr>
+      </p:pic>
+    </p:spTree>
+  </p:cSld>
+  <p:clrMapOvr>
+    <a:masterClrMapping/>
+  </p:clrMapOvr>
+</p:sld>
+</file>
+
+<file path=ppt/slides/slide7.xml><?xml version="1.0" encoding="utf-8"?>
+<p:sld xmlns:a="http://schemas.openxmlformats.org/drawingml/2006/main" xmlns:r="http://schemas.openxmlformats.org/officeDocument/2006/relationships" xmlns:p="http://schemas.openxmlformats.org/presentationml/2006/main">
+  <p:cSld>
+    <p:spTree>
+      <p:nvGrpSpPr>
+        <p:cNvPr id="1" name=""/>
+        <p:cNvGrpSpPr/>
+        <p:nvPr/>
+      </p:nvGrpSpPr>
+      <p:grpSpPr/>
+      <p:sp>
+        <p:nvSpPr>
+          <p:cNvPr id="2" name="Заголовок 1"/>
+          <p:cNvSpPr>
+            <a:spLocks noGrp="1"/>
+          </p:cNvSpPr>
+          <p:nvPr>
+            <p:ph type="title"/>
+          </p:nvPr>
+        </p:nvSpPr>
+        <p:spPr/>
+        <p:txBody>
+          <a:bodyPr/>
+          <a:p>
+            <a:pPr algn="ctr"/>
+            <a:r>
+              <a:rPr lang="ru-RU" altLang="en-US" b="1">
+                <a:latin typeface="Times New Roman" panose="02020603050405020304" charset="0"/>
+                <a:cs typeface="Times New Roman" panose="02020603050405020304" charset="0"/>
+              </a:rPr>
               <a:t>Идея подхода</a:t>
             </a:r>
-            <a:endParaRPr lang="ru-RU" altLang="en-US"/>
+            <a:endParaRPr lang="ru-RU" altLang="en-US" b="1">
+              <a:latin typeface="Times New Roman" panose="02020603050405020304" charset="0"/>
+              <a:cs typeface="Times New Roman" panose="02020603050405020304" charset="0"/>
+            </a:endParaRPr>
+          </a:p>
+        </p:txBody>
+      </p:sp>
+      <p:sp>
+        <p:nvSpPr>
+          <p:cNvPr id="3" name="Замещающее содержимое 2"/>
+          <p:cNvSpPr>
+            <a:spLocks noGrp="1"/>
+          </p:cNvSpPr>
+          <p:nvPr>
+            <p:ph sz="half" idx="1"/>
+          </p:nvPr>
+        </p:nvSpPr>
+        <p:spPr>
+          <a:xfrm>
+            <a:off x="609600" y="1174750"/>
+            <a:ext cx="10696575" cy="4953000"/>
+          </a:xfrm>
+        </p:spPr>
+        <p:txBody>
+          <a:bodyPr/>
+          <a:p>
+            <a:pPr marL="457200" lvl="1" indent="0">
+              <a:buNone/>
+            </a:pPr>
+            <a:r>
+              <a:rPr lang="ru-RU" altLang="en-US">
+                <a:latin typeface="Times New Roman" panose="02020603050405020304" charset="0"/>
+                <a:cs typeface="Times New Roman" panose="02020603050405020304" charset="0"/>
+              </a:rPr>
+              <a:t>Чтобы получить силуэт объекта в цифровом пространстве из координат, можно использовать </a:t>
+            </a:r>
+            <a:r>
+              <a:rPr lang="ru-RU" altLang="en-US" b="1" u="sng">
+                <a:latin typeface="Times New Roman" panose="02020603050405020304" charset="0"/>
+                <a:cs typeface="Times New Roman" panose="02020603050405020304" charset="0"/>
+              </a:rPr>
+              <a:t>плоскости.</a:t>
+            </a:r>
+            <a:endParaRPr lang="ru-RU" altLang="en-US" b="1" u="sng">
+              <a:latin typeface="Times New Roman" panose="02020603050405020304" charset="0"/>
+              <a:cs typeface="Times New Roman" panose="02020603050405020304" charset="0"/>
+            </a:endParaRPr>
+          </a:p>
+          <a:p>
+            <a:pPr marL="457200" lvl="1" indent="0">
+              <a:buNone/>
+            </a:pPr>
+            <a:r>
+              <a:rPr lang="ru-RU" altLang="en-US">
+                <a:latin typeface="Times New Roman" panose="02020603050405020304" charset="0"/>
+                <a:cs typeface="Times New Roman" panose="02020603050405020304" charset="0"/>
+              </a:rPr>
+              <a:t>Точки, поподающие в определенную окрестность плоскости, при отображение в</a:t>
+            </a:r>
+            <a:r>
+              <a:rPr lang="ru-RU" altLang="en-US" b="1" u="sng">
+                <a:latin typeface="Times New Roman" panose="02020603050405020304" charset="0"/>
+                <a:cs typeface="Times New Roman" panose="02020603050405020304" charset="0"/>
+              </a:rPr>
+              <a:t> бинарный вид</a:t>
+            </a:r>
+            <a:r>
+              <a:rPr lang="ru-RU" altLang="en-US">
+                <a:latin typeface="Times New Roman" panose="02020603050405020304" charset="0"/>
+                <a:cs typeface="Times New Roman" panose="02020603050405020304" charset="0"/>
+              </a:rPr>
+              <a:t> , будут образовывать подобие силуэта.</a:t>
+            </a:r>
+            <a:endParaRPr lang="ru-RU" altLang="en-US" b="1">
+              <a:latin typeface="Times New Roman" panose="02020603050405020304" charset="0"/>
+              <a:cs typeface="Times New Roman" panose="02020603050405020304" charset="0"/>
+            </a:endParaRPr>
+          </a:p>
+        </p:txBody>
+      </p:sp>
+      <p:sp>
+        <p:nvSpPr>
+          <p:cNvPr id="5" name="Замещающий номер слайда 4"/>
+          <p:cNvSpPr>
+            <a:spLocks noGrp="1"/>
+          </p:cNvSpPr>
+          <p:nvPr>
+            <p:ph type="sldNum" sz="quarter" idx="12"/>
+          </p:nvPr>
+        </p:nvSpPr>
+        <p:spPr/>
+        <p:txBody>
+          <a:bodyPr/>
+          <a:p>
+            <a:fld id="{49AE70B2-8BF9-45C0-BB95-33D1B9D3A854}" type="slidenum">
+              <a:rPr lang="en-US" smtClean="0"/>
+            </a:fld>
+            <a:endParaRPr lang="en-US"/>
+          </a:p>
+        </p:txBody>
+      </p:sp>
+    </p:spTree>
+  </p:cSld>
+  <p:clrMapOvr>
+    <a:masterClrMapping/>
+  </p:clrMapOvr>
+</p:sld>
+</file>
+
+<file path=ppt/slides/slide8.xml><?xml version="1.0" encoding="utf-8"?>
+<p:sld xmlns:a="http://schemas.openxmlformats.org/drawingml/2006/main" xmlns:r="http://schemas.openxmlformats.org/officeDocument/2006/relationships" xmlns:p="http://schemas.openxmlformats.org/presentationml/2006/main">
+  <p:cSld>
+    <p:spTree>
+      <p:nvGrpSpPr>
+        <p:cNvPr id="1" name=""/>
+        <p:cNvGrpSpPr/>
+        <p:nvPr/>
+      </p:nvGrpSpPr>
+      <p:grpSpPr/>
+      <p:sp>
+        <p:nvSpPr>
+          <p:cNvPr id="2" name="Заголовок 1"/>
+          <p:cNvSpPr>
+            <a:spLocks noGrp="1"/>
+          </p:cNvSpPr>
+          <p:nvPr>
+            <p:ph type="title"/>
+          </p:nvPr>
+        </p:nvSpPr>
+        <p:spPr/>
+        <p:txBody>
+          <a:bodyPr/>
+          <a:p>
+            <a:pPr algn="ctr"/>
+            <a:r>
+              <a:rPr lang="ru-RU" altLang="en-US" b="1">
+                <a:latin typeface="Times New Roman" panose="02020603050405020304" charset="0"/>
+                <a:cs typeface="Times New Roman" panose="02020603050405020304" charset="0"/>
+              </a:rPr>
+              <a:t>Идея подхода</a:t>
+            </a:r>
+            <a:endParaRPr lang="ru-RU" altLang="en-US" b="1">
+              <a:latin typeface="Times New Roman" panose="02020603050405020304" charset="0"/>
+              <a:cs typeface="Times New Roman" panose="02020603050405020304" charset="0"/>
+            </a:endParaRPr>
           </a:p>
         </p:txBody>
       </p:sp>
@@ -5413,6 +6049,27 @@
           </a:p>
         </p:txBody>
       </p:sp>
+      <p:sp>
+        <p:nvSpPr>
+          <p:cNvPr id="3" name="Замещающий номер слайда 2"/>
+          <p:cNvSpPr>
+            <a:spLocks noGrp="1"/>
+          </p:cNvSpPr>
+          <p:nvPr>
+            <p:ph type="sldNum" sz="quarter" idx="12"/>
+          </p:nvPr>
+        </p:nvSpPr>
+        <p:spPr/>
+        <p:txBody>
+          <a:bodyPr/>
+          <a:p>
+            <a:fld id="{49AE70B2-8BF9-45C0-BB95-33D1B9D3A854}" type="slidenum">
+              <a:rPr lang="en-US" smtClean="0"/>
+            </a:fld>
+            <a:endParaRPr lang="en-US"/>
+          </a:p>
+        </p:txBody>
+      </p:sp>
     </p:spTree>
   </p:cSld>
   <p:clrMapOvr>
@@ -5421,7 +6078,7 @@
 </p:sld>
 </file>
 
-<file path=ppt/slides/slide7.xml><?xml version="1.0" encoding="utf-8"?>
+<file path=ppt/slides/slide9.xml><?xml version="1.0" encoding="utf-8"?>
 <p:sld xmlns:a="http://schemas.openxmlformats.org/drawingml/2006/main" xmlns:r="http://schemas.openxmlformats.org/officeDocument/2006/relationships" xmlns:p="http://schemas.openxmlformats.org/presentationml/2006/main">
   <p:cSld>
     <p:spTree>
@@ -5445,11 +6102,18 @@
         <p:txBody>
           <a:bodyPr/>
           <a:p>
-            <a:r>
-              <a:rPr lang="ru-RU" altLang="en-US"/>
+            <a:pPr algn="ctr"/>
+            <a:r>
+              <a:rPr lang="ru-RU" altLang="en-US" b="1">
+                <a:latin typeface="Times New Roman" panose="02020603050405020304" charset="0"/>
+                <a:cs typeface="Times New Roman" panose="02020603050405020304" charset="0"/>
+              </a:rPr>
               <a:t>Начальный формат нейросети</a:t>
             </a:r>
-            <a:endParaRPr lang="ru-RU" altLang="en-US"/>
+            <a:endParaRPr lang="ru-RU" altLang="en-US" b="1">
+              <a:latin typeface="Times New Roman" panose="02020603050405020304" charset="0"/>
+              <a:cs typeface="Times New Roman" panose="02020603050405020304" charset="0"/>
+            </a:endParaRPr>
           </a:p>
         </p:txBody>
       </p:sp>
@@ -5479,6 +6143,27 @@
           </a:prstGeom>
         </p:spPr>
       </p:pic>
+      <p:sp>
+        <p:nvSpPr>
+          <p:cNvPr id="3" name="Замещающий номер слайда 2"/>
+          <p:cNvSpPr>
+            <a:spLocks noGrp="1"/>
+          </p:cNvSpPr>
+          <p:nvPr>
+            <p:ph type="sldNum" sz="quarter" idx="12"/>
+          </p:nvPr>
+        </p:nvSpPr>
+        <p:spPr/>
+        <p:txBody>
+          <a:bodyPr/>
+          <a:p>
+            <a:fld id="{49AE70B2-8BF9-45C0-BB95-33D1B9D3A854}" type="slidenum">
+              <a:rPr lang="en-US" smtClean="0"/>
+            </a:fld>
+            <a:endParaRPr lang="en-US"/>
+          </a:p>
+        </p:txBody>
+      </p:sp>
     </p:spTree>
   </p:cSld>
   <p:clrMapOvr>
